--- a/PTEBAR-JUV/Scripts_orga.pptx
+++ b/PTEBAR-JUV/Scripts_orga.pptx
@@ -104,6 +104,11 @@
       </a:defRPr>
     </a:lvl9pPr>
   </p:defaultTextStyle>
+  <p:extLst>
+    <p:ext uri="{EFAFB233-063F-42B5-8137-9DF3F51BA10A}">
+      <p15:sldGuideLst xmlns:p15="http://schemas.microsoft.com/office/powerpoint/2012/main"/>
+    </p:ext>
+  </p:extLst>
 </p:presentation>
 </file>
 
@@ -256,7 +261,7 @@
           <a:p>
             <a:fld id="{0673F054-1BB9-4748-8CD5-AE62ED6605DD}" type="datetimeFigureOut">
               <a:rPr lang="en-CA" smtClean="0"/>
-              <a:t>2021-11-23</a:t>
+              <a:t>2021-11-24</a:t>
             </a:fld>
             <a:endParaRPr lang="en-CA"/>
           </a:p>
@@ -456,7 +461,7 @@
           <a:p>
             <a:fld id="{0673F054-1BB9-4748-8CD5-AE62ED6605DD}" type="datetimeFigureOut">
               <a:rPr lang="en-CA" smtClean="0"/>
-              <a:t>2021-11-23</a:t>
+              <a:t>2021-11-24</a:t>
             </a:fld>
             <a:endParaRPr lang="en-CA"/>
           </a:p>
@@ -666,7 +671,7 @@
           <a:p>
             <a:fld id="{0673F054-1BB9-4748-8CD5-AE62ED6605DD}" type="datetimeFigureOut">
               <a:rPr lang="en-CA" smtClean="0"/>
-              <a:t>2021-11-23</a:t>
+              <a:t>2021-11-24</a:t>
             </a:fld>
             <a:endParaRPr lang="en-CA"/>
           </a:p>
@@ -866,7 +871,7 @@
           <a:p>
             <a:fld id="{0673F054-1BB9-4748-8CD5-AE62ED6605DD}" type="datetimeFigureOut">
               <a:rPr lang="en-CA" smtClean="0"/>
-              <a:t>2021-11-23</a:t>
+              <a:t>2021-11-24</a:t>
             </a:fld>
             <a:endParaRPr lang="en-CA"/>
           </a:p>
@@ -1142,7 +1147,7 @@
           <a:p>
             <a:fld id="{0673F054-1BB9-4748-8CD5-AE62ED6605DD}" type="datetimeFigureOut">
               <a:rPr lang="en-CA" smtClean="0"/>
-              <a:t>2021-11-23</a:t>
+              <a:t>2021-11-24</a:t>
             </a:fld>
             <a:endParaRPr lang="en-CA"/>
           </a:p>
@@ -1410,7 +1415,7 @@
           <a:p>
             <a:fld id="{0673F054-1BB9-4748-8CD5-AE62ED6605DD}" type="datetimeFigureOut">
               <a:rPr lang="en-CA" smtClean="0"/>
-              <a:t>2021-11-23</a:t>
+              <a:t>2021-11-24</a:t>
             </a:fld>
             <a:endParaRPr lang="en-CA"/>
           </a:p>
@@ -1825,7 +1830,7 @@
           <a:p>
             <a:fld id="{0673F054-1BB9-4748-8CD5-AE62ED6605DD}" type="datetimeFigureOut">
               <a:rPr lang="en-CA" smtClean="0"/>
-              <a:t>2021-11-23</a:t>
+              <a:t>2021-11-24</a:t>
             </a:fld>
             <a:endParaRPr lang="en-CA"/>
           </a:p>
@@ -1967,7 +1972,7 @@
           <a:p>
             <a:fld id="{0673F054-1BB9-4748-8CD5-AE62ED6605DD}" type="datetimeFigureOut">
               <a:rPr lang="en-CA" smtClean="0"/>
-              <a:t>2021-11-23</a:t>
+              <a:t>2021-11-24</a:t>
             </a:fld>
             <a:endParaRPr lang="en-CA"/>
           </a:p>
@@ -2080,7 +2085,7 @@
           <a:p>
             <a:fld id="{0673F054-1BB9-4748-8CD5-AE62ED6605DD}" type="datetimeFigureOut">
               <a:rPr lang="en-CA" smtClean="0"/>
-              <a:t>2021-11-23</a:t>
+              <a:t>2021-11-24</a:t>
             </a:fld>
             <a:endParaRPr lang="en-CA"/>
           </a:p>
@@ -2393,7 +2398,7 @@
           <a:p>
             <a:fld id="{0673F054-1BB9-4748-8CD5-AE62ED6605DD}" type="datetimeFigureOut">
               <a:rPr lang="en-CA" smtClean="0"/>
-              <a:t>2021-11-23</a:t>
+              <a:t>2021-11-24</a:t>
             </a:fld>
             <a:endParaRPr lang="en-CA"/>
           </a:p>
@@ -2682,7 +2687,7 @@
           <a:p>
             <a:fld id="{0673F054-1BB9-4748-8CD5-AE62ED6605DD}" type="datetimeFigureOut">
               <a:rPr lang="en-CA" smtClean="0"/>
-              <a:t>2021-11-23</a:t>
+              <a:t>2021-11-24</a:t>
             </a:fld>
             <a:endParaRPr lang="en-CA"/>
           </a:p>
@@ -2925,7 +2930,7 @@
           <a:p>
             <a:fld id="{0673F054-1BB9-4748-8CD5-AE62ED6605DD}" type="datetimeFigureOut">
               <a:rPr lang="en-CA" smtClean="0"/>
-              <a:t>2021-11-23</a:t>
+              <a:t>2021-11-24</a:t>
             </a:fld>
             <a:endParaRPr lang="en-CA"/>
           </a:p>
@@ -5507,6 +5512,111 @@
           </a:fontRef>
         </p:style>
       </p:cxnSp>
+      <p:sp>
+        <p:nvSpPr>
+          <p:cNvPr id="2" name="ZoneTexte 1">
+            <a:extLst>
+              <a:ext uri="{FF2B5EF4-FFF2-40B4-BE49-F238E27FC236}">
+                <a16:creationId xmlns:a16="http://schemas.microsoft.com/office/drawing/2014/main" id="{C8219CCC-32AF-476A-A2EA-F8863DC6A9F9}"/>
+              </a:ext>
+            </a:extLst>
+          </p:cNvPr>
+          <p:cNvSpPr txBox="1"/>
+          <p:nvPr/>
+        </p:nvSpPr>
+        <p:spPr>
+          <a:xfrm>
+            <a:off x="2249940" y="3260551"/>
+            <a:ext cx="1488798" cy="646331"/>
+          </a:xfrm>
+          <a:prstGeom prst="rect">
+            <a:avLst/>
+          </a:prstGeom>
+          <a:noFill/>
+          <a:ln>
+            <a:solidFill>
+              <a:srgbClr val="FF0000"/>
+            </a:solidFill>
+          </a:ln>
+        </p:spPr>
+        <p:txBody>
+          <a:bodyPr wrap="square" rtlCol="0">
+            <a:spAutoFit/>
+          </a:bodyPr>
+          <a:lstStyle/>
+          <a:p>
+            <a:r>
+              <a:rPr lang="fr-FR" sz="1200" dirty="0">
+                <a:solidFill>
+                  <a:srgbClr val="FF0000"/>
+                </a:solidFill>
+              </a:rPr>
+              <a:t>! </a:t>
+            </a:r>
+            <a:r>
+              <a:rPr lang="fr-FR" sz="1200" dirty="0" err="1">
+                <a:solidFill>
+                  <a:srgbClr val="FF0000"/>
+                </a:solidFill>
+              </a:rPr>
+              <a:t>Modif</a:t>
+            </a:r>
+            <a:r>
+              <a:rPr lang="fr-FR" sz="1200" dirty="0">
+                <a:solidFill>
+                  <a:srgbClr val="FF0000"/>
+                </a:solidFill>
+              </a:rPr>
+              <a:t> du .</a:t>
+            </a:r>
+            <a:r>
+              <a:rPr lang="fr-FR" sz="1200" dirty="0" err="1">
+                <a:solidFill>
+                  <a:srgbClr val="FF0000"/>
+                </a:solidFill>
+              </a:rPr>
+              <a:t>rds</a:t>
+            </a:r>
+            <a:r>
+              <a:rPr lang="fr-FR" sz="1200" dirty="0">
+                <a:solidFill>
+                  <a:srgbClr val="FF0000"/>
+                </a:solidFill>
+              </a:rPr>
+              <a:t> avec ajout colonne et class </a:t>
+            </a:r>
+            <a:r>
+              <a:rPr lang="fr-FR" sz="1200" dirty="0" err="1">
+                <a:solidFill>
+                  <a:srgbClr val="FF0000"/>
+                </a:solidFill>
+              </a:rPr>
+              <a:t>sf</a:t>
+            </a:r>
+            <a:r>
+              <a:rPr lang="fr-FR" sz="1200" dirty="0">
+                <a:solidFill>
+                  <a:srgbClr val="FF0000"/>
+                </a:solidFill>
+              </a:rPr>
+              <a:t> le 24 </a:t>
+            </a:r>
+            <a:r>
+              <a:rPr lang="fr-FR" sz="1200" dirty="0" err="1">
+                <a:solidFill>
+                  <a:srgbClr val="FF0000"/>
+                </a:solidFill>
+              </a:rPr>
+              <a:t>nov</a:t>
+            </a:r>
+            <a:endParaRPr lang="en-CA" sz="1200" dirty="0">
+              <a:solidFill>
+                <a:srgbClr val="FF0000"/>
+              </a:solidFill>
+            </a:endParaRPr>
+          </a:p>
+        </p:txBody>
+      </p:sp>
     </p:spTree>
     <p:extLst>
       <p:ext uri="{BB962C8B-B14F-4D97-AF65-F5344CB8AC3E}">

--- a/PTEBAR-JUV/Scripts_orga.pptx
+++ b/PTEBAR-JUV/Scripts_orga.pptx
@@ -261,7 +261,7 @@
           <a:p>
             <a:fld id="{0673F054-1BB9-4748-8CD5-AE62ED6605DD}" type="datetimeFigureOut">
               <a:rPr lang="en-CA" smtClean="0"/>
-              <a:t>2021-11-24</a:t>
+              <a:t>2021-11-29</a:t>
             </a:fld>
             <a:endParaRPr lang="en-CA"/>
           </a:p>
@@ -461,7 +461,7 @@
           <a:p>
             <a:fld id="{0673F054-1BB9-4748-8CD5-AE62ED6605DD}" type="datetimeFigureOut">
               <a:rPr lang="en-CA" smtClean="0"/>
-              <a:t>2021-11-24</a:t>
+              <a:t>2021-11-29</a:t>
             </a:fld>
             <a:endParaRPr lang="en-CA"/>
           </a:p>
@@ -671,7 +671,7 @@
           <a:p>
             <a:fld id="{0673F054-1BB9-4748-8CD5-AE62ED6605DD}" type="datetimeFigureOut">
               <a:rPr lang="en-CA" smtClean="0"/>
-              <a:t>2021-11-24</a:t>
+              <a:t>2021-11-29</a:t>
             </a:fld>
             <a:endParaRPr lang="en-CA"/>
           </a:p>
@@ -871,7 +871,7 @@
           <a:p>
             <a:fld id="{0673F054-1BB9-4748-8CD5-AE62ED6605DD}" type="datetimeFigureOut">
               <a:rPr lang="en-CA" smtClean="0"/>
-              <a:t>2021-11-24</a:t>
+              <a:t>2021-11-29</a:t>
             </a:fld>
             <a:endParaRPr lang="en-CA"/>
           </a:p>
@@ -1147,7 +1147,7 @@
           <a:p>
             <a:fld id="{0673F054-1BB9-4748-8CD5-AE62ED6605DD}" type="datetimeFigureOut">
               <a:rPr lang="en-CA" smtClean="0"/>
-              <a:t>2021-11-24</a:t>
+              <a:t>2021-11-29</a:t>
             </a:fld>
             <a:endParaRPr lang="en-CA"/>
           </a:p>
@@ -1415,7 +1415,7 @@
           <a:p>
             <a:fld id="{0673F054-1BB9-4748-8CD5-AE62ED6605DD}" type="datetimeFigureOut">
               <a:rPr lang="en-CA" smtClean="0"/>
-              <a:t>2021-11-24</a:t>
+              <a:t>2021-11-29</a:t>
             </a:fld>
             <a:endParaRPr lang="en-CA"/>
           </a:p>
@@ -1830,7 +1830,7 @@
           <a:p>
             <a:fld id="{0673F054-1BB9-4748-8CD5-AE62ED6605DD}" type="datetimeFigureOut">
               <a:rPr lang="en-CA" smtClean="0"/>
-              <a:t>2021-11-24</a:t>
+              <a:t>2021-11-29</a:t>
             </a:fld>
             <a:endParaRPr lang="en-CA"/>
           </a:p>
@@ -1972,7 +1972,7 @@
           <a:p>
             <a:fld id="{0673F054-1BB9-4748-8CD5-AE62ED6605DD}" type="datetimeFigureOut">
               <a:rPr lang="en-CA" smtClean="0"/>
-              <a:t>2021-11-24</a:t>
+              <a:t>2021-11-29</a:t>
             </a:fld>
             <a:endParaRPr lang="en-CA"/>
           </a:p>
@@ -2085,7 +2085,7 @@
           <a:p>
             <a:fld id="{0673F054-1BB9-4748-8CD5-AE62ED6605DD}" type="datetimeFigureOut">
               <a:rPr lang="en-CA" smtClean="0"/>
-              <a:t>2021-11-24</a:t>
+              <a:t>2021-11-29</a:t>
             </a:fld>
             <a:endParaRPr lang="en-CA"/>
           </a:p>
@@ -2398,7 +2398,7 @@
           <a:p>
             <a:fld id="{0673F054-1BB9-4748-8CD5-AE62ED6605DD}" type="datetimeFigureOut">
               <a:rPr lang="en-CA" smtClean="0"/>
-              <a:t>2021-11-24</a:t>
+              <a:t>2021-11-29</a:t>
             </a:fld>
             <a:endParaRPr lang="en-CA"/>
           </a:p>
@@ -2687,7 +2687,7 @@
           <a:p>
             <a:fld id="{0673F054-1BB9-4748-8CD5-AE62ED6605DD}" type="datetimeFigureOut">
               <a:rPr lang="en-CA" smtClean="0"/>
-              <a:t>2021-11-24</a:t>
+              <a:t>2021-11-29</a:t>
             </a:fld>
             <a:endParaRPr lang="en-CA"/>
           </a:p>
@@ -2930,7 +2930,7 @@
           <a:p>
             <a:fld id="{0673F054-1BB9-4748-8CD5-AE62ED6605DD}" type="datetimeFigureOut">
               <a:rPr lang="en-CA" smtClean="0"/>
-              <a:t>2021-11-24</a:t>
+              <a:t>2021-11-29</a:t>
             </a:fld>
             <a:endParaRPr lang="en-CA"/>
           </a:p>
@@ -3729,7 +3729,7 @@
         </p:nvGrpSpPr>
         <p:grpSpPr>
           <a:xfrm>
-            <a:off x="3840838" y="267330"/>
+            <a:off x="3720596" y="-1057727"/>
             <a:ext cx="2971023" cy="2440176"/>
             <a:chOff x="3796818" y="528587"/>
             <a:chExt cx="2508311" cy="845830"/>
@@ -4201,7 +4201,9 @@
               <a:r>
                 <a:rPr lang="fr-FR" sz="800" dirty="0">
                   <a:solidFill>
-                    <a:srgbClr val="FF0000"/>
+                    <a:schemeClr val="accent6">
+                      <a:lumMod val="50000"/>
+                    </a:schemeClr>
                   </a:solidFill>
                 </a:rPr>
                 <a:t>/RMD/PTEBAR_JUV_Minimum_convex_polygons100.rds</a:t>
@@ -4215,7 +4217,9 @@
               <a:r>
                 <a:rPr lang="fr-FR" sz="800" dirty="0">
                   <a:solidFill>
-                    <a:srgbClr val="FF0000"/>
+                    <a:schemeClr val="accent6">
+                      <a:lumMod val="50000"/>
+                    </a:schemeClr>
                   </a:solidFill>
                 </a:rPr>
                 <a:t>/RMD/PTEBAR_JUV_Minimum_convex_polygons95.rds</a:t>
@@ -4229,7 +4233,9 @@
               <a:r>
                 <a:rPr lang="fr-FR" sz="800" dirty="0">
                   <a:solidFill>
-                    <a:srgbClr val="FF0000"/>
+                    <a:schemeClr val="accent6">
+                      <a:lumMod val="50000"/>
+                    </a:schemeClr>
                   </a:solidFill>
                 </a:rPr>
                 <a:t>/RMD/PTEBAR_JUV_Minimum_convex_polygons80.rds</a:t>
@@ -4243,7 +4249,9 @@
               <a:r>
                 <a:rPr lang="fr-FR" sz="800" dirty="0">
                   <a:solidFill>
-                    <a:srgbClr val="FF0000"/>
+                    <a:schemeClr val="accent6">
+                      <a:lumMod val="50000"/>
+                    </a:schemeClr>
                   </a:solidFill>
                 </a:rPr>
                 <a:t>/RMD/</a:t>
@@ -4251,14 +4259,18 @@
               <a:r>
                 <a:rPr lang="fr-FR" sz="800" dirty="0" err="1">
                   <a:solidFill>
-                    <a:srgbClr val="FF0000"/>
+                    <a:schemeClr val="accent6">
+                      <a:lumMod val="50000"/>
+                    </a:schemeClr>
                   </a:solidFill>
                 </a:rPr>
                 <a:t>PTEBAR_JUV_kernelHREF.rds</a:t>
               </a:r>
               <a:endParaRPr lang="fr-FR" sz="800" dirty="0">
                 <a:solidFill>
-                  <a:srgbClr val="FF0000"/>
+                  <a:schemeClr val="accent6">
+                    <a:lumMod val="50000"/>
+                  </a:schemeClr>
                 </a:solidFill>
               </a:endParaRPr>
             </a:p>
@@ -4270,7 +4282,9 @@
               <a:r>
                 <a:rPr lang="fr-FR" sz="800" dirty="0">
                   <a:solidFill>
-                    <a:srgbClr val="FF0000"/>
+                    <a:schemeClr val="accent6">
+                      <a:lumMod val="50000"/>
+                    </a:schemeClr>
                   </a:solidFill>
                 </a:rPr>
                 <a:t>/RMD/</a:t>
@@ -4278,14 +4292,18 @@
               <a:r>
                 <a:rPr lang="fr-FR" sz="800" dirty="0" err="1">
                   <a:solidFill>
-                    <a:srgbClr val="FF0000"/>
+                    <a:schemeClr val="accent6">
+                      <a:lumMod val="50000"/>
+                    </a:schemeClr>
                   </a:solidFill>
                 </a:rPr>
                 <a:t>PTEBAR_JUV_LIST_ind_kernelHREF.rds</a:t>
               </a:r>
               <a:endParaRPr lang="fr-FR" sz="800" dirty="0">
                 <a:solidFill>
-                  <a:srgbClr val="FF0000"/>
+                  <a:schemeClr val="accent6">
+                    <a:lumMod val="50000"/>
+                  </a:schemeClr>
                 </a:solidFill>
               </a:endParaRPr>
             </a:p>
@@ -4325,91 +4343,6 @@
           </p:txBody>
         </p:sp>
       </p:grpSp>
-      <p:sp>
-        <p:nvSpPr>
-          <p:cNvPr id="17" name="Accolade fermante 16">
-            <a:extLst>
-              <a:ext uri="{FF2B5EF4-FFF2-40B4-BE49-F238E27FC236}">
-                <a16:creationId xmlns:a16="http://schemas.microsoft.com/office/drawing/2014/main" id="{DB27C2CB-1526-424C-8ED4-7C3B2C110BF1}"/>
-              </a:ext>
-            </a:extLst>
-          </p:cNvPr>
-          <p:cNvSpPr/>
-          <p:nvPr/>
-        </p:nvSpPr>
-        <p:spPr>
-          <a:xfrm>
-            <a:off x="6880860" y="1655873"/>
-            <a:ext cx="297180" cy="906780"/>
-          </a:xfrm>
-          <a:prstGeom prst="rightBrace">
-            <a:avLst/>
-          </a:prstGeom>
-          <a:ln>
-            <a:solidFill>
-              <a:srgbClr val="FF0000"/>
-            </a:solidFill>
-          </a:ln>
-        </p:spPr>
-        <p:style>
-          <a:lnRef idx="1">
-            <a:schemeClr val="accent1"/>
-          </a:lnRef>
-          <a:fillRef idx="0">
-            <a:schemeClr val="accent1"/>
-          </a:fillRef>
-          <a:effectRef idx="0">
-            <a:schemeClr val="accent1"/>
-          </a:effectRef>
-          <a:fontRef idx="minor">
-            <a:schemeClr val="tx1"/>
-          </a:fontRef>
-        </p:style>
-        <p:txBody>
-          <a:bodyPr rtlCol="0" anchor="ctr"/>
-          <a:lstStyle/>
-          <a:p>
-            <a:pPr algn="ctr"/>
-            <a:endParaRPr lang="en-CA" sz="800"/>
-          </a:p>
-        </p:txBody>
-      </p:sp>
-      <p:sp>
-        <p:nvSpPr>
-          <p:cNvPr id="18" name="ZoneTexte 17">
-            <a:extLst>
-              <a:ext uri="{FF2B5EF4-FFF2-40B4-BE49-F238E27FC236}">
-                <a16:creationId xmlns:a16="http://schemas.microsoft.com/office/drawing/2014/main" id="{729C8CA9-060A-4478-9EDA-34BE7A24EB50}"/>
-              </a:ext>
-            </a:extLst>
-          </p:cNvPr>
-          <p:cNvSpPr txBox="1"/>
-          <p:nvPr/>
-        </p:nvSpPr>
-        <p:spPr>
-          <a:xfrm>
-            <a:off x="7261857" y="1786097"/>
-            <a:ext cx="1356360" cy="215444"/>
-          </a:xfrm>
-          <a:prstGeom prst="rect">
-            <a:avLst/>
-          </a:prstGeom>
-          <a:noFill/>
-        </p:spPr>
-        <p:txBody>
-          <a:bodyPr wrap="square" rtlCol="0">
-            <a:spAutoFit/>
-          </a:bodyPr>
-          <a:lstStyle/>
-          <a:p>
-            <a:r>
-              <a:rPr lang="fr-FR" sz="800" dirty="0"/>
-              <a:t>À mettre à jour</a:t>
-            </a:r>
-            <a:endParaRPr lang="en-CA" sz="800" dirty="0"/>
-          </a:p>
-        </p:txBody>
-      </p:sp>
       <p:cxnSp>
         <p:nvCxnSpPr>
           <p:cNvPr id="20" name="Connecteur droit 19">
@@ -4428,8 +4361,8 @@
         </p:nvCxnSpPr>
         <p:spPr>
           <a:xfrm flipV="1">
-            <a:off x="2483142" y="841775"/>
-            <a:ext cx="1357698" cy="243187"/>
+            <a:off x="2483142" y="-483282"/>
+            <a:ext cx="1237456" cy="1568244"/>
           </a:xfrm>
           <a:prstGeom prst="line">
             <a:avLst/>
@@ -4471,7 +4404,7 @@
         </p:nvGrpSpPr>
         <p:grpSpPr>
           <a:xfrm>
-            <a:off x="3840838" y="2941937"/>
+            <a:off x="3720596" y="1513420"/>
             <a:ext cx="2719352" cy="936643"/>
             <a:chOff x="3796818" y="528587"/>
             <a:chExt cx="2508309" cy="936643"/>
@@ -4780,7 +4713,7 @@
         <p:spPr>
           <a:xfrm>
             <a:off x="2483142" y="1084962"/>
-            <a:ext cx="1357696" cy="2220927"/>
+            <a:ext cx="1237454" cy="792410"/>
           </a:xfrm>
           <a:prstGeom prst="line">
             <a:avLst/>
@@ -4822,7 +4755,7 @@
         </p:nvGrpSpPr>
         <p:grpSpPr>
           <a:xfrm>
-            <a:off x="7222709" y="2974344"/>
+            <a:off x="7111730" y="707839"/>
             <a:ext cx="2719351" cy="848437"/>
             <a:chOff x="3796818" y="528587"/>
             <a:chExt cx="2508309" cy="848437"/>
@@ -5131,8 +5064,8 @@
         </p:nvCxnSpPr>
         <p:spPr>
           <a:xfrm flipV="1">
-            <a:off x="6560190" y="3322093"/>
-            <a:ext cx="662519" cy="352517"/>
+            <a:off x="6439948" y="1055588"/>
+            <a:ext cx="671782" cy="1190505"/>
           </a:xfrm>
           <a:prstGeom prst="line">
             <a:avLst/>
@@ -5174,7 +5107,7 @@
         </p:nvGrpSpPr>
         <p:grpSpPr>
           <a:xfrm>
-            <a:off x="7222708" y="3906882"/>
+            <a:off x="7111729" y="1623229"/>
             <a:ext cx="2719351" cy="848437"/>
             <a:chOff x="3796818" y="528587"/>
             <a:chExt cx="2508309" cy="848437"/>
@@ -5482,9 +5415,9 @@
           <p:nvPr/>
         </p:nvCxnSpPr>
         <p:spPr>
-          <a:xfrm>
-            <a:off x="6560190" y="3674610"/>
-            <a:ext cx="662518" cy="580021"/>
+          <a:xfrm flipV="1">
+            <a:off x="6439948" y="1970978"/>
+            <a:ext cx="671781" cy="275115"/>
           </a:xfrm>
           <a:prstGeom prst="line">
             <a:avLst/>
@@ -5526,7 +5459,7 @@
         </p:nvSpPr>
         <p:spPr>
           <a:xfrm>
-            <a:off x="2249940" y="3260551"/>
+            <a:off x="761142" y="2875998"/>
             <a:ext cx="1488798" cy="646331"/>
           </a:xfrm>
           <a:prstGeom prst="rect">
@@ -5617,6 +5550,1550 @@
           </a:p>
         </p:txBody>
       </p:sp>
+      <p:grpSp>
+        <p:nvGrpSpPr>
+          <p:cNvPr id="29" name="Groupe 28">
+            <a:extLst>
+              <a:ext uri="{FF2B5EF4-FFF2-40B4-BE49-F238E27FC236}">
+                <a16:creationId xmlns:a16="http://schemas.microsoft.com/office/drawing/2014/main" id="{C9852BBC-16ED-429E-B3EA-4BC151039769}"/>
+              </a:ext>
+            </a:extLst>
+          </p:cNvPr>
+          <p:cNvGrpSpPr/>
+          <p:nvPr/>
+        </p:nvGrpSpPr>
+        <p:grpSpPr>
+          <a:xfrm>
+            <a:off x="8200671" y="2623240"/>
+            <a:ext cx="4750810" cy="2133381"/>
+            <a:chOff x="3796818" y="528587"/>
+            <a:chExt cx="2508309" cy="1259996"/>
+          </a:xfrm>
+        </p:grpSpPr>
+        <p:sp>
+          <p:nvSpPr>
+            <p:cNvPr id="30" name="Rectangle 29">
+              <a:extLst>
+                <a:ext uri="{FF2B5EF4-FFF2-40B4-BE49-F238E27FC236}">
+                  <a16:creationId xmlns:a16="http://schemas.microsoft.com/office/drawing/2014/main" id="{62198E43-601A-4FB6-B340-E60B92FAFFE2}"/>
+                </a:ext>
+              </a:extLst>
+            </p:cNvPr>
+            <p:cNvSpPr/>
+            <p:nvPr/>
+          </p:nvSpPr>
+          <p:spPr>
+            <a:xfrm>
+              <a:off x="3796818" y="528587"/>
+              <a:ext cx="2508309" cy="199202"/>
+            </a:xfrm>
+            <a:prstGeom prst="rect">
+              <a:avLst/>
+            </a:prstGeom>
+            <a:solidFill>
+              <a:schemeClr val="accent6">
+                <a:lumMod val="60000"/>
+                <a:lumOff val="40000"/>
+              </a:schemeClr>
+            </a:solidFill>
+            <a:ln>
+              <a:solidFill>
+                <a:schemeClr val="accent6">
+                  <a:lumMod val="50000"/>
+                </a:schemeClr>
+              </a:solidFill>
+            </a:ln>
+          </p:spPr>
+          <p:style>
+            <a:lnRef idx="2">
+              <a:schemeClr val="accent1">
+                <a:shade val="50000"/>
+              </a:schemeClr>
+            </a:lnRef>
+            <a:fillRef idx="1">
+              <a:schemeClr val="accent1"/>
+            </a:fillRef>
+            <a:effectRef idx="0">
+              <a:schemeClr val="accent1"/>
+            </a:effectRef>
+            <a:fontRef idx="minor">
+              <a:schemeClr val="lt1"/>
+            </a:fontRef>
+          </p:style>
+          <p:txBody>
+            <a:bodyPr rtlCol="0" anchor="ctr" anchorCtr="1"/>
+            <a:lstStyle/>
+            <a:p>
+              <a:pPr algn="ctr"/>
+              <a:r>
+                <a:rPr lang="fr-FR" sz="800" b="1" dirty="0" err="1"/>
+                <a:t>ENVIRON_variables_WIND_direction_EXPLO.r</a:t>
+              </a:r>
+              <a:endParaRPr lang="en-CA" sz="800" b="1" dirty="0"/>
+            </a:p>
+          </p:txBody>
+        </p:sp>
+        <p:sp>
+          <p:nvSpPr>
+            <p:cNvPr id="36" name="Rectangle 35">
+              <a:extLst>
+                <a:ext uri="{FF2B5EF4-FFF2-40B4-BE49-F238E27FC236}">
+                  <a16:creationId xmlns:a16="http://schemas.microsoft.com/office/drawing/2014/main" id="{284E6653-8335-45B6-BBA2-32AFBDCA1A2E}"/>
+                </a:ext>
+              </a:extLst>
+            </p:cNvPr>
+            <p:cNvSpPr/>
+            <p:nvPr/>
+          </p:nvSpPr>
+          <p:spPr>
+            <a:xfrm>
+              <a:off x="3796818" y="727789"/>
+              <a:ext cx="2508309" cy="897190"/>
+            </a:xfrm>
+            <a:prstGeom prst="rect">
+              <a:avLst/>
+            </a:prstGeom>
+            <a:noFill/>
+            <a:ln>
+              <a:solidFill>
+                <a:schemeClr val="accent6">
+                  <a:lumMod val="75000"/>
+                </a:schemeClr>
+              </a:solidFill>
+            </a:ln>
+          </p:spPr>
+          <p:style>
+            <a:lnRef idx="2">
+              <a:schemeClr val="accent1">
+                <a:shade val="50000"/>
+              </a:schemeClr>
+            </a:lnRef>
+            <a:fillRef idx="1">
+              <a:schemeClr val="accent1"/>
+            </a:fillRef>
+            <a:effectRef idx="0">
+              <a:schemeClr val="accent1"/>
+            </a:effectRef>
+            <a:fontRef idx="minor">
+              <a:schemeClr val="lt1"/>
+            </a:fontRef>
+          </p:style>
+          <p:txBody>
+            <a:bodyPr rtlCol="0" anchor="ctr" anchorCtr="1"/>
+            <a:lstStyle/>
+            <a:p>
+              <a:r>
+                <a:rPr lang="fr-FR" sz="800" u="sng" dirty="0">
+                  <a:solidFill>
+                    <a:schemeClr val="accent6">
+                      <a:lumMod val="60000"/>
+                      <a:lumOff val="40000"/>
+                    </a:schemeClr>
+                  </a:solidFill>
+                </a:rPr>
+                <a:t>Data</a:t>
+              </a:r>
+              <a:endParaRPr lang="en-CA" sz="800" dirty="0">
+                <a:solidFill>
+                  <a:schemeClr val="accent6">
+                    <a:lumMod val="60000"/>
+                    <a:lumOff val="40000"/>
+                  </a:schemeClr>
+                </a:solidFill>
+              </a:endParaRPr>
+            </a:p>
+            <a:p>
+              <a:pPr marL="285750" indent="-285750">
+                <a:buFontTx/>
+                <a:buChar char="-"/>
+              </a:pPr>
+              <a:r>
+                <a:rPr lang="en-CA" sz="800" dirty="0">
+                  <a:solidFill>
+                    <a:schemeClr val="accent6">
+                      <a:lumMod val="60000"/>
+                      <a:lumOff val="40000"/>
+                    </a:schemeClr>
+                  </a:solidFill>
+                </a:rPr>
+                <a:t>/DATA/AUDREY/Env_Variables/CERSAT-GLO-BLENDED_WIND_L4_REP-V6-OBS_FULL_TIME_SERIE_1637651880863_YEAR1_MERIDIONAL.nc</a:t>
+              </a:r>
+            </a:p>
+            <a:p>
+              <a:pPr marL="285750" indent="-285750">
+                <a:buFontTx/>
+                <a:buChar char="-"/>
+              </a:pPr>
+              <a:r>
+                <a:rPr lang="en-CA" sz="800" dirty="0">
+                  <a:solidFill>
+                    <a:schemeClr val="accent6">
+                      <a:lumMod val="60000"/>
+                      <a:lumOff val="40000"/>
+                    </a:schemeClr>
+                  </a:solidFill>
+                </a:rPr>
+                <a:t>/DATA/AUDREY/Env_Variables/CERSAT-GLO-BLENDED_WIND_L4_REP-V6-OBS_FULL_TIME_SERIE_1637652499961_YEAR2_MERIDIONAL.nc</a:t>
+              </a:r>
+            </a:p>
+            <a:p>
+              <a:pPr marL="285750" indent="-285750">
+                <a:buFontTx/>
+                <a:buChar char="-"/>
+              </a:pPr>
+              <a:r>
+                <a:rPr lang="en-CA" sz="800" dirty="0">
+                  <a:solidFill>
+                    <a:schemeClr val="accent6">
+                      <a:lumMod val="60000"/>
+                      <a:lumOff val="40000"/>
+                    </a:schemeClr>
+                  </a:solidFill>
+                </a:rPr>
+                <a:t>/DATA/AUDREY/Env_Variables/CERSAT-GLO-BLENDED_WIND_L4_REP-V6-OBS_FULL_TIME_SERIE_1637651769964_YEAR1_ZONAL.nc</a:t>
+              </a:r>
+            </a:p>
+            <a:p>
+              <a:pPr marL="285750" indent="-285750">
+                <a:buFontTx/>
+                <a:buChar char="-"/>
+              </a:pPr>
+              <a:r>
+                <a:rPr lang="en-CA" sz="800" dirty="0">
+                  <a:solidFill>
+                    <a:schemeClr val="accent6">
+                      <a:lumMod val="60000"/>
+                      <a:lumOff val="40000"/>
+                    </a:schemeClr>
+                  </a:solidFill>
+                </a:rPr>
+                <a:t>/DATA/AUDREY/Env_Variables/CERSAT-GLO-BLENDED_WIND_L4_REP-V6-OBS_FULL_TIME_SERIE_1637652399617_YEAR2_ZONAL.nc</a:t>
+              </a:r>
+            </a:p>
+            <a:p>
+              <a:pPr marL="285750" indent="-285750">
+                <a:buFontTx/>
+                <a:buChar char="-"/>
+              </a:pPr>
+              <a:r>
+                <a:rPr lang="en-CA" sz="800" dirty="0">
+                  <a:solidFill>
+                    <a:schemeClr val="accent6">
+                      <a:lumMod val="60000"/>
+                      <a:lumOff val="40000"/>
+                    </a:schemeClr>
+                  </a:solidFill>
+                </a:rPr>
+                <a:t>/DATA/AUDREY/Env_Variables/CERSAT-GLO-BLENDED_WIND_L4_REP-V6-OBS_FULL_TIME_SERIE_1637652088629_YEAR1_SPEED.nc</a:t>
+              </a:r>
+            </a:p>
+          </p:txBody>
+        </p:sp>
+        <p:sp>
+          <p:nvSpPr>
+            <p:cNvPr id="37" name="Rectangle 36">
+              <a:extLst>
+                <a:ext uri="{FF2B5EF4-FFF2-40B4-BE49-F238E27FC236}">
+                  <a16:creationId xmlns:a16="http://schemas.microsoft.com/office/drawing/2014/main" id="{C91B8A84-CD5F-4CAE-B09B-FF23BF1FB447}"/>
+                </a:ext>
+              </a:extLst>
+            </p:cNvPr>
+            <p:cNvSpPr/>
+            <p:nvPr/>
+          </p:nvSpPr>
+          <p:spPr>
+            <a:xfrm>
+              <a:off x="3796818" y="1625526"/>
+              <a:ext cx="2508309" cy="163057"/>
+            </a:xfrm>
+            <a:prstGeom prst="rect">
+              <a:avLst/>
+            </a:prstGeom>
+            <a:noFill/>
+            <a:ln>
+              <a:solidFill>
+                <a:schemeClr val="accent6">
+                  <a:lumMod val="75000"/>
+                </a:schemeClr>
+              </a:solidFill>
+            </a:ln>
+          </p:spPr>
+          <p:style>
+            <a:lnRef idx="2">
+              <a:schemeClr val="accent1">
+                <a:shade val="50000"/>
+              </a:schemeClr>
+            </a:lnRef>
+            <a:fillRef idx="1">
+              <a:schemeClr val="accent1"/>
+            </a:fillRef>
+            <a:effectRef idx="0">
+              <a:schemeClr val="accent1"/>
+            </a:effectRef>
+            <a:fontRef idx="minor">
+              <a:schemeClr val="lt1"/>
+            </a:fontRef>
+          </p:style>
+          <p:txBody>
+            <a:bodyPr rtlCol="0" anchor="ctr" anchorCtr="1"/>
+            <a:lstStyle/>
+            <a:p>
+              <a:r>
+                <a:rPr lang="fr-FR" sz="800" u="sng" dirty="0">
+                  <a:solidFill>
+                    <a:schemeClr val="accent6">
+                      <a:lumMod val="50000"/>
+                    </a:schemeClr>
+                  </a:solidFill>
+                </a:rPr>
+                <a:t>F</a:t>
+              </a:r>
+              <a:r>
+                <a:rPr lang="en-CA" sz="800" u="sng" dirty="0" err="1">
+                  <a:solidFill>
+                    <a:schemeClr val="accent6">
+                      <a:lumMod val="50000"/>
+                    </a:schemeClr>
+                  </a:solidFill>
+                </a:rPr>
+                <a:t>ichiers</a:t>
+              </a:r>
+              <a:r>
+                <a:rPr lang="en-CA" sz="800" u="sng" dirty="0">
+                  <a:solidFill>
+                    <a:schemeClr val="accent6">
+                      <a:lumMod val="50000"/>
+                    </a:schemeClr>
+                  </a:solidFill>
+                </a:rPr>
+                <a:t> </a:t>
+              </a:r>
+              <a:r>
+                <a:rPr lang="en-CA" sz="800" u="sng" dirty="0" err="1">
+                  <a:solidFill>
+                    <a:schemeClr val="accent6">
+                      <a:lumMod val="50000"/>
+                    </a:schemeClr>
+                  </a:solidFill>
+                </a:rPr>
+                <a:t>produits</a:t>
+              </a:r>
+              <a:endParaRPr lang="en-CA" sz="800" u="sng" dirty="0">
+                <a:solidFill>
+                  <a:schemeClr val="accent6">
+                    <a:lumMod val="50000"/>
+                  </a:schemeClr>
+                </a:solidFill>
+              </a:endParaRPr>
+            </a:p>
+            <a:p>
+              <a:pPr marL="285750" indent="-285750">
+                <a:buFontTx/>
+                <a:buChar char="-"/>
+              </a:pPr>
+              <a:r>
+                <a:rPr lang="en-CA" sz="800" dirty="0">
+                  <a:solidFill>
+                    <a:schemeClr val="accent6">
+                      <a:lumMod val="50000"/>
+                    </a:schemeClr>
+                  </a:solidFill>
+                </a:rPr>
+                <a:t>maps</a:t>
+              </a:r>
+              <a:endParaRPr lang="fr-FR" sz="800" dirty="0">
+                <a:solidFill>
+                  <a:schemeClr val="accent6">
+                    <a:lumMod val="50000"/>
+                  </a:schemeClr>
+                </a:solidFill>
+              </a:endParaRPr>
+            </a:p>
+          </p:txBody>
+        </p:sp>
+      </p:grpSp>
+      <p:cxnSp>
+        <p:nvCxnSpPr>
+          <p:cNvPr id="38" name="Connecteur droit 37">
+            <a:extLst>
+              <a:ext uri="{FF2B5EF4-FFF2-40B4-BE49-F238E27FC236}">
+                <a16:creationId xmlns:a16="http://schemas.microsoft.com/office/drawing/2014/main" id="{AE801F00-1868-4053-BA65-0872C8294EF1}"/>
+              </a:ext>
+            </a:extLst>
+          </p:cNvPr>
+          <p:cNvCxnSpPr>
+            <a:cxnSpLocks/>
+            <a:stCxn id="11" idx="3"/>
+            <a:endCxn id="45" idx="1"/>
+          </p:cNvCxnSpPr>
+          <p:nvPr/>
+        </p:nvCxnSpPr>
+        <p:spPr>
+          <a:xfrm>
+            <a:off x="2483142" y="1084962"/>
+            <a:ext cx="867616" cy="2352000"/>
+          </a:xfrm>
+          <a:prstGeom prst="line">
+            <a:avLst/>
+          </a:prstGeom>
+          <a:ln w="19050">
+            <a:solidFill>
+              <a:schemeClr val="accent6">
+                <a:lumMod val="50000"/>
+              </a:schemeClr>
+            </a:solidFill>
+          </a:ln>
+        </p:spPr>
+        <p:style>
+          <a:lnRef idx="1">
+            <a:schemeClr val="accent1"/>
+          </a:lnRef>
+          <a:fillRef idx="0">
+            <a:schemeClr val="accent1"/>
+          </a:fillRef>
+          <a:effectRef idx="0">
+            <a:schemeClr val="accent1"/>
+          </a:effectRef>
+          <a:fontRef idx="minor">
+            <a:schemeClr val="tx1"/>
+          </a:fontRef>
+        </p:style>
+      </p:cxnSp>
+      <p:cxnSp>
+        <p:nvCxnSpPr>
+          <p:cNvPr id="6" name="Connecteur droit 5">
+            <a:extLst>
+              <a:ext uri="{FF2B5EF4-FFF2-40B4-BE49-F238E27FC236}">
+                <a16:creationId xmlns:a16="http://schemas.microsoft.com/office/drawing/2014/main" id="{C1C3A9C5-94D7-44AC-AECE-8CE11506A478}"/>
+              </a:ext>
+            </a:extLst>
+          </p:cNvPr>
+          <p:cNvCxnSpPr>
+            <a:stCxn id="2" idx="3"/>
+            <a:endCxn id="24" idx="1"/>
+          </p:cNvCxnSpPr>
+          <p:nvPr/>
+        </p:nvCxnSpPr>
+        <p:spPr>
+          <a:xfrm flipV="1">
+            <a:off x="2249940" y="1877372"/>
+            <a:ext cx="1470656" cy="1321792"/>
+          </a:xfrm>
+          <a:prstGeom prst="line">
+            <a:avLst/>
+          </a:prstGeom>
+          <a:ln>
+            <a:solidFill>
+              <a:srgbClr val="FF0000"/>
+            </a:solidFill>
+          </a:ln>
+        </p:spPr>
+        <p:style>
+          <a:lnRef idx="1">
+            <a:schemeClr val="accent1"/>
+          </a:lnRef>
+          <a:fillRef idx="0">
+            <a:schemeClr val="accent1"/>
+          </a:fillRef>
+          <a:effectRef idx="0">
+            <a:schemeClr val="accent1"/>
+          </a:effectRef>
+          <a:fontRef idx="minor">
+            <a:schemeClr val="tx1"/>
+          </a:fontRef>
+        </p:style>
+      </p:cxnSp>
+      <p:grpSp>
+        <p:nvGrpSpPr>
+          <p:cNvPr id="39" name="Groupe 38">
+            <a:extLst>
+              <a:ext uri="{FF2B5EF4-FFF2-40B4-BE49-F238E27FC236}">
+                <a16:creationId xmlns:a16="http://schemas.microsoft.com/office/drawing/2014/main" id="{AC104D97-3AF1-444D-B786-6B1B82A95CCF}"/>
+              </a:ext>
+            </a:extLst>
+          </p:cNvPr>
+          <p:cNvGrpSpPr/>
+          <p:nvPr/>
+        </p:nvGrpSpPr>
+        <p:grpSpPr>
+          <a:xfrm>
+            <a:off x="10082750" y="822238"/>
+            <a:ext cx="3758481" cy="1423854"/>
+            <a:chOff x="3796818" y="528587"/>
+            <a:chExt cx="2508309" cy="848437"/>
+          </a:xfrm>
+        </p:grpSpPr>
+        <p:sp>
+          <p:nvSpPr>
+            <p:cNvPr id="40" name="Rectangle 39">
+              <a:extLst>
+                <a:ext uri="{FF2B5EF4-FFF2-40B4-BE49-F238E27FC236}">
+                  <a16:creationId xmlns:a16="http://schemas.microsoft.com/office/drawing/2014/main" id="{6FB07DEE-74CE-4648-A7DB-11861C7346AF}"/>
+                </a:ext>
+              </a:extLst>
+            </p:cNvPr>
+            <p:cNvSpPr/>
+            <p:nvPr/>
+          </p:nvSpPr>
+          <p:spPr>
+            <a:xfrm>
+              <a:off x="3796818" y="528587"/>
+              <a:ext cx="2508309" cy="199202"/>
+            </a:xfrm>
+            <a:prstGeom prst="rect">
+              <a:avLst/>
+            </a:prstGeom>
+            <a:solidFill>
+              <a:schemeClr val="accent6">
+                <a:lumMod val="60000"/>
+                <a:lumOff val="40000"/>
+              </a:schemeClr>
+            </a:solidFill>
+            <a:ln>
+              <a:solidFill>
+                <a:schemeClr val="accent6">
+                  <a:lumMod val="50000"/>
+                </a:schemeClr>
+              </a:solidFill>
+            </a:ln>
+          </p:spPr>
+          <p:style>
+            <a:lnRef idx="2">
+              <a:schemeClr val="accent1">
+                <a:shade val="50000"/>
+              </a:schemeClr>
+            </a:lnRef>
+            <a:fillRef idx="1">
+              <a:schemeClr val="accent1"/>
+            </a:fillRef>
+            <a:effectRef idx="0">
+              <a:schemeClr val="accent1"/>
+            </a:effectRef>
+            <a:fontRef idx="minor">
+              <a:schemeClr val="lt1"/>
+            </a:fontRef>
+          </p:style>
+          <p:txBody>
+            <a:bodyPr rtlCol="0" anchor="ctr" anchorCtr="1"/>
+            <a:lstStyle/>
+            <a:p>
+              <a:pPr algn="ctr"/>
+              <a:r>
+                <a:rPr lang="fr-FR" sz="800" b="1" dirty="0"/>
+                <a:t>4-PTEBAR_JUV_Kernels_adultes.r</a:t>
+              </a:r>
+              <a:endParaRPr lang="en-CA" sz="800" b="1" dirty="0"/>
+            </a:p>
+          </p:txBody>
+        </p:sp>
+        <p:sp>
+          <p:nvSpPr>
+            <p:cNvPr id="41" name="Rectangle 40">
+              <a:extLst>
+                <a:ext uri="{FF2B5EF4-FFF2-40B4-BE49-F238E27FC236}">
+                  <a16:creationId xmlns:a16="http://schemas.microsoft.com/office/drawing/2014/main" id="{5EF2B79E-AF1B-4601-9CF3-04D9A54C1869}"/>
+                </a:ext>
+              </a:extLst>
+            </p:cNvPr>
+            <p:cNvSpPr/>
+            <p:nvPr/>
+          </p:nvSpPr>
+          <p:spPr>
+            <a:xfrm>
+              <a:off x="3796818" y="727789"/>
+              <a:ext cx="2508309" cy="297093"/>
+            </a:xfrm>
+            <a:prstGeom prst="rect">
+              <a:avLst/>
+            </a:prstGeom>
+            <a:noFill/>
+            <a:ln>
+              <a:solidFill>
+                <a:schemeClr val="accent6">
+                  <a:lumMod val="75000"/>
+                </a:schemeClr>
+              </a:solidFill>
+            </a:ln>
+          </p:spPr>
+          <p:style>
+            <a:lnRef idx="2">
+              <a:schemeClr val="accent1">
+                <a:shade val="50000"/>
+              </a:schemeClr>
+            </a:lnRef>
+            <a:fillRef idx="1">
+              <a:schemeClr val="accent1"/>
+            </a:fillRef>
+            <a:effectRef idx="0">
+              <a:schemeClr val="accent1"/>
+            </a:effectRef>
+            <a:fontRef idx="minor">
+              <a:schemeClr val="lt1"/>
+            </a:fontRef>
+          </p:style>
+          <p:txBody>
+            <a:bodyPr rtlCol="0" anchor="ctr" anchorCtr="1"/>
+            <a:lstStyle/>
+            <a:p>
+              <a:r>
+                <a:rPr lang="fr-FR" sz="800" u="sng" dirty="0">
+                  <a:solidFill>
+                    <a:schemeClr val="accent6">
+                      <a:lumMod val="60000"/>
+                      <a:lumOff val="40000"/>
+                    </a:schemeClr>
+                  </a:solidFill>
+                </a:rPr>
+                <a:t>Data</a:t>
+              </a:r>
+            </a:p>
+            <a:p>
+              <a:pPr marL="285750" indent="-285750">
+                <a:buFontTx/>
+                <a:buChar char="-"/>
+              </a:pPr>
+              <a:r>
+                <a:rPr lang="fr-FR" sz="800" dirty="0">
+                  <a:solidFill>
+                    <a:schemeClr val="accent6">
+                      <a:lumMod val="60000"/>
+                      <a:lumOff val="40000"/>
+                    </a:schemeClr>
+                  </a:solidFill>
+                </a:rPr>
+                <a:t>/DATA/AUDREY/Tous_trajets_20082009.txt</a:t>
+              </a:r>
+            </a:p>
+            <a:p>
+              <a:pPr marL="285750" indent="-285750">
+                <a:buFontTx/>
+                <a:buChar char="-"/>
+              </a:pPr>
+              <a:r>
+                <a:rPr lang="fr-FR" sz="800" dirty="0">
+                  <a:solidFill>
+                    <a:schemeClr val="accent6">
+                      <a:lumMod val="60000"/>
+                      <a:lumOff val="40000"/>
+                    </a:schemeClr>
+                  </a:solidFill>
+                </a:rPr>
+                <a:t>/DATA/AUDREY/LOC_TousTrajets_BP_RUN_ALL_YEARS_PHENO_OK_40S.txt</a:t>
+              </a:r>
+            </a:p>
+          </p:txBody>
+        </p:sp>
+        <p:sp>
+          <p:nvSpPr>
+            <p:cNvPr id="42" name="Rectangle 41">
+              <a:extLst>
+                <a:ext uri="{FF2B5EF4-FFF2-40B4-BE49-F238E27FC236}">
+                  <a16:creationId xmlns:a16="http://schemas.microsoft.com/office/drawing/2014/main" id="{FA54847C-712E-4317-8165-FE999AAA8451}"/>
+                </a:ext>
+              </a:extLst>
+            </p:cNvPr>
+            <p:cNvSpPr/>
+            <p:nvPr/>
+          </p:nvSpPr>
+          <p:spPr>
+            <a:xfrm>
+              <a:off x="3796818" y="1024882"/>
+              <a:ext cx="2508309" cy="352142"/>
+            </a:xfrm>
+            <a:prstGeom prst="rect">
+              <a:avLst/>
+            </a:prstGeom>
+            <a:noFill/>
+            <a:ln>
+              <a:solidFill>
+                <a:schemeClr val="accent6">
+                  <a:lumMod val="75000"/>
+                </a:schemeClr>
+              </a:solidFill>
+            </a:ln>
+          </p:spPr>
+          <p:style>
+            <a:lnRef idx="2">
+              <a:schemeClr val="accent1">
+                <a:shade val="50000"/>
+              </a:schemeClr>
+            </a:lnRef>
+            <a:fillRef idx="1">
+              <a:schemeClr val="accent1"/>
+            </a:fillRef>
+            <a:effectRef idx="0">
+              <a:schemeClr val="accent1"/>
+            </a:effectRef>
+            <a:fontRef idx="minor">
+              <a:schemeClr val="lt1"/>
+            </a:fontRef>
+          </p:style>
+          <p:txBody>
+            <a:bodyPr rtlCol="0" anchor="ctr" anchorCtr="1"/>
+            <a:lstStyle/>
+            <a:p>
+              <a:r>
+                <a:rPr lang="fr-FR" sz="800" u="sng" dirty="0">
+                  <a:solidFill>
+                    <a:schemeClr val="accent6">
+                      <a:lumMod val="50000"/>
+                    </a:schemeClr>
+                  </a:solidFill>
+                </a:rPr>
+                <a:t>F</a:t>
+              </a:r>
+              <a:r>
+                <a:rPr lang="en-CA" sz="800" u="sng" dirty="0" err="1">
+                  <a:solidFill>
+                    <a:schemeClr val="accent6">
+                      <a:lumMod val="50000"/>
+                    </a:schemeClr>
+                  </a:solidFill>
+                </a:rPr>
+                <a:t>ichiers</a:t>
+              </a:r>
+              <a:r>
+                <a:rPr lang="en-CA" sz="800" u="sng" dirty="0">
+                  <a:solidFill>
+                    <a:schemeClr val="accent6">
+                      <a:lumMod val="50000"/>
+                    </a:schemeClr>
+                  </a:solidFill>
+                </a:rPr>
+                <a:t> </a:t>
+              </a:r>
+              <a:r>
+                <a:rPr lang="en-CA" sz="800" u="sng" dirty="0" err="1">
+                  <a:solidFill>
+                    <a:schemeClr val="accent6">
+                      <a:lumMod val="50000"/>
+                    </a:schemeClr>
+                  </a:solidFill>
+                </a:rPr>
+                <a:t>produits</a:t>
+              </a:r>
+              <a:endParaRPr lang="en-CA" sz="800" u="sng" dirty="0">
+                <a:solidFill>
+                  <a:schemeClr val="accent6">
+                    <a:lumMod val="50000"/>
+                  </a:schemeClr>
+                </a:solidFill>
+              </a:endParaRPr>
+            </a:p>
+            <a:p>
+              <a:pPr marL="285750" indent="-285750">
+                <a:buFontTx/>
+                <a:buChar char="-"/>
+              </a:pPr>
+              <a:r>
+                <a:rPr lang="en-CA" sz="800" dirty="0">
+                  <a:solidFill>
+                    <a:schemeClr val="accent6">
+                      <a:lumMod val="50000"/>
+                    </a:schemeClr>
+                  </a:solidFill>
+                </a:rPr>
+                <a:t>/RMD/PTEBAR_AD_GLS_hivernage_KERNEL905025_Audrey.rds</a:t>
+              </a:r>
+            </a:p>
+            <a:p>
+              <a:pPr marL="285750" indent="-285750">
+                <a:buFontTx/>
+                <a:buChar char="-"/>
+              </a:pPr>
+              <a:r>
+                <a:rPr lang="fr-FR" sz="800" dirty="0">
+                  <a:solidFill>
+                    <a:schemeClr val="accent6">
+                      <a:lumMod val="50000"/>
+                    </a:schemeClr>
+                  </a:solidFill>
+                </a:rPr>
+                <a:t>/RMD/PTEBAR_AD_GLS_hivernage_KERNEL905025_Patrick.rds</a:t>
+              </a:r>
+            </a:p>
+            <a:p>
+              <a:pPr marL="285750" indent="-285750">
+                <a:buFontTx/>
+                <a:buChar char="-"/>
+              </a:pPr>
+              <a:r>
+                <a:rPr lang="en-CA" sz="800" dirty="0">
+                  <a:solidFill>
+                    <a:schemeClr val="accent6">
+                      <a:lumMod val="50000"/>
+                    </a:schemeClr>
+                  </a:solidFill>
+                </a:rPr>
+                <a:t>/RMD/</a:t>
+              </a:r>
+              <a:r>
+                <a:rPr lang="en-CA" sz="800" dirty="0" err="1">
+                  <a:solidFill>
+                    <a:schemeClr val="accent6">
+                      <a:lumMod val="50000"/>
+                    </a:schemeClr>
+                  </a:solidFill>
+                </a:rPr>
+                <a:t>PTEBAR_AD_GLS_hivernage_points.rds</a:t>
+              </a:r>
+              <a:endParaRPr lang="fr-FR" sz="800" dirty="0">
+                <a:solidFill>
+                  <a:schemeClr val="accent6">
+                    <a:lumMod val="50000"/>
+                  </a:schemeClr>
+                </a:solidFill>
+              </a:endParaRPr>
+            </a:p>
+          </p:txBody>
+        </p:sp>
+      </p:grpSp>
+      <p:grpSp>
+        <p:nvGrpSpPr>
+          <p:cNvPr id="43" name="Groupe 42">
+            <a:extLst>
+              <a:ext uri="{FF2B5EF4-FFF2-40B4-BE49-F238E27FC236}">
+                <a16:creationId xmlns:a16="http://schemas.microsoft.com/office/drawing/2014/main" id="{B793BAC2-BFBC-4AE4-8596-C9E233B46AB3}"/>
+              </a:ext>
+            </a:extLst>
+          </p:cNvPr>
+          <p:cNvGrpSpPr/>
+          <p:nvPr/>
+        </p:nvGrpSpPr>
+        <p:grpSpPr>
+          <a:xfrm>
+            <a:off x="3350758" y="2685667"/>
+            <a:ext cx="4750810" cy="1441390"/>
+            <a:chOff x="3796818" y="528587"/>
+            <a:chExt cx="2508309" cy="851299"/>
+          </a:xfrm>
+        </p:grpSpPr>
+        <p:sp>
+          <p:nvSpPr>
+            <p:cNvPr id="44" name="Rectangle 43">
+              <a:extLst>
+                <a:ext uri="{FF2B5EF4-FFF2-40B4-BE49-F238E27FC236}">
+                  <a16:creationId xmlns:a16="http://schemas.microsoft.com/office/drawing/2014/main" id="{04E7BEF8-4FDA-43E3-A375-230A8E76B9EF}"/>
+                </a:ext>
+              </a:extLst>
+            </p:cNvPr>
+            <p:cNvSpPr/>
+            <p:nvPr/>
+          </p:nvSpPr>
+          <p:spPr>
+            <a:xfrm>
+              <a:off x="3796818" y="528587"/>
+              <a:ext cx="2508309" cy="199202"/>
+            </a:xfrm>
+            <a:prstGeom prst="rect">
+              <a:avLst/>
+            </a:prstGeom>
+            <a:solidFill>
+              <a:schemeClr val="accent6">
+                <a:lumMod val="60000"/>
+                <a:lumOff val="40000"/>
+              </a:schemeClr>
+            </a:solidFill>
+            <a:ln>
+              <a:solidFill>
+                <a:schemeClr val="accent6">
+                  <a:lumMod val="50000"/>
+                </a:schemeClr>
+              </a:solidFill>
+            </a:ln>
+          </p:spPr>
+          <p:style>
+            <a:lnRef idx="2">
+              <a:schemeClr val="accent1">
+                <a:shade val="50000"/>
+              </a:schemeClr>
+            </a:lnRef>
+            <a:fillRef idx="1">
+              <a:schemeClr val="accent1"/>
+            </a:fillRef>
+            <a:effectRef idx="0">
+              <a:schemeClr val="accent1"/>
+            </a:effectRef>
+            <a:fontRef idx="minor">
+              <a:schemeClr val="lt1"/>
+            </a:fontRef>
+          </p:style>
+          <p:txBody>
+            <a:bodyPr rtlCol="0" anchor="ctr" anchorCtr="1"/>
+            <a:lstStyle/>
+            <a:p>
+              <a:pPr algn="ctr"/>
+              <a:r>
+                <a:rPr lang="fr-FR" sz="800" b="1" dirty="0" err="1"/>
+                <a:t>ENVIRON_variables_WIND_speed_EXPLO.r</a:t>
+              </a:r>
+              <a:endParaRPr lang="en-CA" sz="800" b="1" dirty="0"/>
+            </a:p>
+          </p:txBody>
+        </p:sp>
+        <p:sp>
+          <p:nvSpPr>
+            <p:cNvPr id="45" name="Rectangle 44">
+              <a:extLst>
+                <a:ext uri="{FF2B5EF4-FFF2-40B4-BE49-F238E27FC236}">
+                  <a16:creationId xmlns:a16="http://schemas.microsoft.com/office/drawing/2014/main" id="{36ACB874-C233-4FC2-8907-5154865BEFC8}"/>
+                </a:ext>
+              </a:extLst>
+            </p:cNvPr>
+            <p:cNvSpPr/>
+            <p:nvPr/>
+          </p:nvSpPr>
+          <p:spPr>
+            <a:xfrm>
+              <a:off x="3796818" y="727789"/>
+              <a:ext cx="2508309" cy="489040"/>
+            </a:xfrm>
+            <a:prstGeom prst="rect">
+              <a:avLst/>
+            </a:prstGeom>
+            <a:noFill/>
+            <a:ln>
+              <a:solidFill>
+                <a:schemeClr val="accent6">
+                  <a:lumMod val="75000"/>
+                </a:schemeClr>
+              </a:solidFill>
+            </a:ln>
+          </p:spPr>
+          <p:style>
+            <a:lnRef idx="2">
+              <a:schemeClr val="accent1">
+                <a:shade val="50000"/>
+              </a:schemeClr>
+            </a:lnRef>
+            <a:fillRef idx="1">
+              <a:schemeClr val="accent1"/>
+            </a:fillRef>
+            <a:effectRef idx="0">
+              <a:schemeClr val="accent1"/>
+            </a:effectRef>
+            <a:fontRef idx="minor">
+              <a:schemeClr val="lt1"/>
+            </a:fontRef>
+          </p:style>
+          <p:txBody>
+            <a:bodyPr rtlCol="0" anchor="ctr" anchorCtr="1"/>
+            <a:lstStyle/>
+            <a:p>
+              <a:r>
+                <a:rPr lang="fr-FR" sz="800" u="sng" dirty="0">
+                  <a:solidFill>
+                    <a:schemeClr val="accent6">
+                      <a:lumMod val="60000"/>
+                      <a:lumOff val="40000"/>
+                    </a:schemeClr>
+                  </a:solidFill>
+                </a:rPr>
+                <a:t>Data</a:t>
+              </a:r>
+            </a:p>
+            <a:p>
+              <a:pPr marL="285750" indent="-285750">
+                <a:buFontTx/>
+                <a:buChar char="-"/>
+              </a:pPr>
+              <a:r>
+                <a:rPr lang="en-CA" sz="800" dirty="0" err="1">
+                  <a:solidFill>
+                    <a:schemeClr val="accent6">
+                      <a:lumMod val="60000"/>
+                      <a:lumOff val="40000"/>
+                    </a:schemeClr>
+                  </a:solidFill>
+                </a:rPr>
+                <a:t>PTEBAR_JUV_Pinet_data_CLEANED.rds</a:t>
+              </a:r>
+              <a:endParaRPr lang="en-CA" sz="800" dirty="0">
+                <a:solidFill>
+                  <a:schemeClr val="accent6">
+                    <a:lumMod val="60000"/>
+                    <a:lumOff val="40000"/>
+                  </a:schemeClr>
+                </a:solidFill>
+              </a:endParaRPr>
+            </a:p>
+            <a:p>
+              <a:pPr marL="285750" indent="-285750">
+                <a:buFontTx/>
+                <a:buChar char="-"/>
+              </a:pPr>
+              <a:r>
+                <a:rPr lang="en-CA" sz="800" dirty="0">
+                  <a:solidFill>
+                    <a:schemeClr val="accent6">
+                      <a:lumMod val="60000"/>
+                      <a:lumOff val="40000"/>
+                    </a:schemeClr>
+                  </a:solidFill>
+                </a:rPr>
+                <a:t>/DATA/AUDREY/Env_Variables/CERSAT-GLO-BLENDED_WIND_L4_REP-V6-OBS_FULL_TIME_SERIE_1637652088629_YEAR1_SPEED.nc</a:t>
+              </a:r>
+            </a:p>
+            <a:p>
+              <a:pPr marL="285750" indent="-285750">
+                <a:buFontTx/>
+                <a:buChar char="-"/>
+              </a:pPr>
+              <a:r>
+                <a:rPr lang="en-CA" sz="800" dirty="0">
+                  <a:solidFill>
+                    <a:schemeClr val="accent6">
+                      <a:lumMod val="60000"/>
+                      <a:lumOff val="40000"/>
+                    </a:schemeClr>
+                  </a:solidFill>
+                </a:rPr>
+                <a:t>/DATA/AUDREY/Env_Variables/CERSAT-GLO-BLENDED_WIND_L4_REP-V6-OBS_FULL_TIME_SERIE_1637653002349_YEAR2_SPEED.nc</a:t>
+              </a:r>
+            </a:p>
+          </p:txBody>
+        </p:sp>
+        <p:sp>
+          <p:nvSpPr>
+            <p:cNvPr id="46" name="Rectangle 45">
+              <a:extLst>
+                <a:ext uri="{FF2B5EF4-FFF2-40B4-BE49-F238E27FC236}">
+                  <a16:creationId xmlns:a16="http://schemas.microsoft.com/office/drawing/2014/main" id="{192BB34F-A202-46AD-AC45-A83952B37D51}"/>
+                </a:ext>
+              </a:extLst>
+            </p:cNvPr>
+            <p:cNvSpPr/>
+            <p:nvPr/>
+          </p:nvSpPr>
+          <p:spPr>
+            <a:xfrm>
+              <a:off x="3796818" y="1216829"/>
+              <a:ext cx="2508309" cy="163057"/>
+            </a:xfrm>
+            <a:prstGeom prst="rect">
+              <a:avLst/>
+            </a:prstGeom>
+            <a:noFill/>
+            <a:ln>
+              <a:solidFill>
+                <a:schemeClr val="accent6">
+                  <a:lumMod val="75000"/>
+                </a:schemeClr>
+              </a:solidFill>
+            </a:ln>
+          </p:spPr>
+          <p:style>
+            <a:lnRef idx="2">
+              <a:schemeClr val="accent1">
+                <a:shade val="50000"/>
+              </a:schemeClr>
+            </a:lnRef>
+            <a:fillRef idx="1">
+              <a:schemeClr val="accent1"/>
+            </a:fillRef>
+            <a:effectRef idx="0">
+              <a:schemeClr val="accent1"/>
+            </a:effectRef>
+            <a:fontRef idx="minor">
+              <a:schemeClr val="lt1"/>
+            </a:fontRef>
+          </p:style>
+          <p:txBody>
+            <a:bodyPr rtlCol="0" anchor="ctr" anchorCtr="1"/>
+            <a:lstStyle/>
+            <a:p>
+              <a:r>
+                <a:rPr lang="fr-FR" sz="800" u="sng" dirty="0">
+                  <a:solidFill>
+                    <a:schemeClr val="accent6">
+                      <a:lumMod val="50000"/>
+                    </a:schemeClr>
+                  </a:solidFill>
+                </a:rPr>
+                <a:t>F</a:t>
+              </a:r>
+              <a:r>
+                <a:rPr lang="en-CA" sz="800" u="sng" dirty="0" err="1">
+                  <a:solidFill>
+                    <a:schemeClr val="accent6">
+                      <a:lumMod val="50000"/>
+                    </a:schemeClr>
+                  </a:solidFill>
+                </a:rPr>
+                <a:t>ichiers</a:t>
+              </a:r>
+              <a:r>
+                <a:rPr lang="en-CA" sz="800" u="sng" dirty="0">
+                  <a:solidFill>
+                    <a:schemeClr val="accent6">
+                      <a:lumMod val="50000"/>
+                    </a:schemeClr>
+                  </a:solidFill>
+                </a:rPr>
+                <a:t> </a:t>
+              </a:r>
+              <a:r>
+                <a:rPr lang="en-CA" sz="800" u="sng" dirty="0" err="1">
+                  <a:solidFill>
+                    <a:schemeClr val="accent6">
+                      <a:lumMod val="50000"/>
+                    </a:schemeClr>
+                  </a:solidFill>
+                </a:rPr>
+                <a:t>produits</a:t>
+              </a:r>
+              <a:endParaRPr lang="en-CA" sz="800" u="sng" dirty="0">
+                <a:solidFill>
+                  <a:schemeClr val="accent6">
+                    <a:lumMod val="50000"/>
+                  </a:schemeClr>
+                </a:solidFill>
+              </a:endParaRPr>
+            </a:p>
+            <a:p>
+              <a:pPr marL="285750" indent="-285750">
+                <a:buFontTx/>
+                <a:buChar char="-"/>
+              </a:pPr>
+              <a:r>
+                <a:rPr lang="en-CA" sz="800" dirty="0">
+                  <a:solidFill>
+                    <a:schemeClr val="accent6">
+                      <a:lumMod val="50000"/>
+                    </a:schemeClr>
+                  </a:solidFill>
+                </a:rPr>
+                <a:t>maps</a:t>
+              </a:r>
+              <a:endParaRPr lang="fr-FR" sz="800" dirty="0">
+                <a:solidFill>
+                  <a:schemeClr val="accent6">
+                    <a:lumMod val="50000"/>
+                  </a:schemeClr>
+                </a:solidFill>
+              </a:endParaRPr>
+            </a:p>
+          </p:txBody>
+        </p:sp>
+      </p:grpSp>
+      <p:grpSp>
+        <p:nvGrpSpPr>
+          <p:cNvPr id="52" name="Groupe 51">
+            <a:extLst>
+              <a:ext uri="{FF2B5EF4-FFF2-40B4-BE49-F238E27FC236}">
+                <a16:creationId xmlns:a16="http://schemas.microsoft.com/office/drawing/2014/main" id="{FF0EAB65-3076-472E-BC5E-0C06B644BBA4}"/>
+              </a:ext>
+            </a:extLst>
+          </p:cNvPr>
+          <p:cNvGrpSpPr/>
+          <p:nvPr/>
+        </p:nvGrpSpPr>
+        <p:grpSpPr>
+          <a:xfrm>
+            <a:off x="3350758" y="4245256"/>
+            <a:ext cx="4750810" cy="2612740"/>
+            <a:chOff x="3796818" y="528587"/>
+            <a:chExt cx="2508309" cy="851298"/>
+          </a:xfrm>
+        </p:grpSpPr>
+        <p:sp>
+          <p:nvSpPr>
+            <p:cNvPr id="53" name="Rectangle 52">
+              <a:extLst>
+                <a:ext uri="{FF2B5EF4-FFF2-40B4-BE49-F238E27FC236}">
+                  <a16:creationId xmlns:a16="http://schemas.microsoft.com/office/drawing/2014/main" id="{C090449F-7808-42CD-9B4C-B62C197828B8}"/>
+                </a:ext>
+              </a:extLst>
+            </p:cNvPr>
+            <p:cNvSpPr/>
+            <p:nvPr/>
+          </p:nvSpPr>
+          <p:spPr>
+            <a:xfrm>
+              <a:off x="3796818" y="528587"/>
+              <a:ext cx="2508309" cy="199202"/>
+            </a:xfrm>
+            <a:prstGeom prst="rect">
+              <a:avLst/>
+            </a:prstGeom>
+            <a:solidFill>
+              <a:schemeClr val="accent6">
+                <a:lumMod val="60000"/>
+                <a:lumOff val="40000"/>
+              </a:schemeClr>
+            </a:solidFill>
+            <a:ln>
+              <a:solidFill>
+                <a:schemeClr val="accent6">
+                  <a:lumMod val="50000"/>
+                </a:schemeClr>
+              </a:solidFill>
+            </a:ln>
+          </p:spPr>
+          <p:style>
+            <a:lnRef idx="2">
+              <a:schemeClr val="accent1">
+                <a:shade val="50000"/>
+              </a:schemeClr>
+            </a:lnRef>
+            <a:fillRef idx="1">
+              <a:schemeClr val="accent1"/>
+            </a:fillRef>
+            <a:effectRef idx="0">
+              <a:schemeClr val="accent1"/>
+            </a:effectRef>
+            <a:fontRef idx="minor">
+              <a:schemeClr val="lt1"/>
+            </a:fontRef>
+          </p:style>
+          <p:txBody>
+            <a:bodyPr rtlCol="0" anchor="ctr" anchorCtr="1"/>
+            <a:lstStyle/>
+            <a:p>
+              <a:pPr algn="ctr"/>
+              <a:r>
+                <a:rPr lang="fr-FR" sz="800" b="1" dirty="0" err="1"/>
+                <a:t>ENVIRON_variables_WIND_speed_EXPLO.r</a:t>
+              </a:r>
+              <a:endParaRPr lang="en-CA" sz="800" b="1" dirty="0"/>
+            </a:p>
+          </p:txBody>
+        </p:sp>
+        <p:sp>
+          <p:nvSpPr>
+            <p:cNvPr id="54" name="Rectangle 53">
+              <a:extLst>
+                <a:ext uri="{FF2B5EF4-FFF2-40B4-BE49-F238E27FC236}">
+                  <a16:creationId xmlns:a16="http://schemas.microsoft.com/office/drawing/2014/main" id="{756FBA38-A547-4272-A1AF-4AED39D656F1}"/>
+                </a:ext>
+              </a:extLst>
+            </p:cNvPr>
+            <p:cNvSpPr/>
+            <p:nvPr/>
+          </p:nvSpPr>
+          <p:spPr>
+            <a:xfrm>
+              <a:off x="3796818" y="727789"/>
+              <a:ext cx="2508309" cy="552785"/>
+            </a:xfrm>
+            <a:prstGeom prst="rect">
+              <a:avLst/>
+            </a:prstGeom>
+            <a:noFill/>
+            <a:ln>
+              <a:solidFill>
+                <a:schemeClr val="accent6">
+                  <a:lumMod val="75000"/>
+                </a:schemeClr>
+              </a:solidFill>
+            </a:ln>
+          </p:spPr>
+          <p:style>
+            <a:lnRef idx="2">
+              <a:schemeClr val="accent1">
+                <a:shade val="50000"/>
+              </a:schemeClr>
+            </a:lnRef>
+            <a:fillRef idx="1">
+              <a:schemeClr val="accent1"/>
+            </a:fillRef>
+            <a:effectRef idx="0">
+              <a:schemeClr val="accent1"/>
+            </a:effectRef>
+            <a:fontRef idx="minor">
+              <a:schemeClr val="lt1"/>
+            </a:fontRef>
+          </p:style>
+          <p:txBody>
+            <a:bodyPr rtlCol="0" anchor="ctr" anchorCtr="1"/>
+            <a:lstStyle/>
+            <a:p>
+              <a:r>
+                <a:rPr lang="fr-FR" sz="800" u="sng" dirty="0">
+                  <a:solidFill>
+                    <a:schemeClr val="accent6">
+                      <a:lumMod val="60000"/>
+                      <a:lumOff val="40000"/>
+                    </a:schemeClr>
+                  </a:solidFill>
+                </a:rPr>
+                <a:t>Data</a:t>
+              </a:r>
+            </a:p>
+            <a:p>
+              <a:pPr marL="285750" indent="-285750">
+                <a:buFontTx/>
+                <a:buChar char="-"/>
+              </a:pPr>
+              <a:r>
+                <a:rPr lang="en-CA" sz="800" dirty="0">
+                  <a:solidFill>
+                    <a:schemeClr val="accent6">
+                      <a:lumMod val="60000"/>
+                      <a:lumOff val="40000"/>
+                    </a:schemeClr>
+                  </a:solidFill>
+                </a:rPr>
+                <a:t>/DATA/AUDREY/Env_Variables/CERSAT-GLO-BLENDED_WIND_L4_REP-V6-OBS_FULL_TIME_SERIE_1637651880863_YEAR1_MERIDIONAL.nc</a:t>
+              </a:r>
+            </a:p>
+            <a:p>
+              <a:pPr marL="285750" indent="-285750">
+                <a:buFontTx/>
+                <a:buChar char="-"/>
+              </a:pPr>
+              <a:r>
+                <a:rPr lang="en-CA" sz="800" dirty="0">
+                  <a:solidFill>
+                    <a:schemeClr val="accent6">
+                      <a:lumMod val="60000"/>
+                      <a:lumOff val="40000"/>
+                    </a:schemeClr>
+                  </a:solidFill>
+                </a:rPr>
+                <a:t>/DATA/AUDREY/Env_Variables/CERSAT-GLO-BLENDED_WIND_L4_REP-V6-OBS_FULL_TIME_SERIE_1637652499961_YEAR2_MERIDIONAL.nc</a:t>
+              </a:r>
+            </a:p>
+            <a:p>
+              <a:pPr marL="285750" indent="-285750">
+                <a:buFontTx/>
+                <a:buChar char="-"/>
+              </a:pPr>
+              <a:r>
+                <a:rPr lang="en-CA" sz="800" dirty="0">
+                  <a:solidFill>
+                    <a:schemeClr val="accent6">
+                      <a:lumMod val="60000"/>
+                      <a:lumOff val="40000"/>
+                    </a:schemeClr>
+                  </a:solidFill>
+                </a:rPr>
+                <a:t>/DATA/AUDREY/Env_Variables/CERSAT-GLO-BLENDED_WIND_L4_REP-V6-OBS_FULL_TIME_SERIE_1637651769964_YEAR1_ZONAL.nc</a:t>
+              </a:r>
+            </a:p>
+            <a:p>
+              <a:pPr marL="285750" indent="-285750">
+                <a:buFontTx/>
+                <a:buChar char="-"/>
+              </a:pPr>
+              <a:r>
+                <a:rPr lang="en-CA" sz="800" dirty="0">
+                  <a:solidFill>
+                    <a:schemeClr val="accent6">
+                      <a:lumMod val="60000"/>
+                      <a:lumOff val="40000"/>
+                    </a:schemeClr>
+                  </a:solidFill>
+                </a:rPr>
+                <a:t>/DATA/AUDREY/Env_Variables/CERSAT-GLO-BLENDED_WIND_L4_REP-V6-OBS_FULL_TIME_SERIE_1637652399617_YEAR2_ZONAL.nc</a:t>
+              </a:r>
+            </a:p>
+            <a:p>
+              <a:pPr marL="285750" indent="-285750">
+                <a:buFontTx/>
+                <a:buChar char="-"/>
+              </a:pPr>
+              <a:r>
+                <a:rPr lang="en-CA" sz="800" dirty="0">
+                  <a:solidFill>
+                    <a:schemeClr val="accent6">
+                      <a:lumMod val="60000"/>
+                      <a:lumOff val="40000"/>
+                    </a:schemeClr>
+                  </a:solidFill>
+                </a:rPr>
+                <a:t>/DATA/AUDREY/Env_Variables/CERSAT-GLO-BLENDED_WIND_L4_REP-V6-OBS_FULL_TIME_SERIE_1637652088629_YEAR1_SPEED.nc</a:t>
+              </a:r>
+            </a:p>
+            <a:p>
+              <a:pPr marL="285750" indent="-285750">
+                <a:buFontTx/>
+                <a:buChar char="-"/>
+              </a:pPr>
+              <a:r>
+                <a:rPr lang="en-CA" sz="800" dirty="0">
+                  <a:solidFill>
+                    <a:schemeClr val="accent6">
+                      <a:lumMod val="60000"/>
+                      <a:lumOff val="40000"/>
+                    </a:schemeClr>
+                  </a:solidFill>
+                </a:rPr>
+                <a:t>/DATA/AUDREY/Env_Variables/CERSAT-GLO-BLENDED_WIND_L4_REP-V6-OBS_FULL_TIME_SERIE_1637652088629_YEAR2_SPEED.nc</a:t>
+              </a:r>
+            </a:p>
+          </p:txBody>
+        </p:sp>
+        <p:sp>
+          <p:nvSpPr>
+            <p:cNvPr id="55" name="Rectangle 54">
+              <a:extLst>
+                <a:ext uri="{FF2B5EF4-FFF2-40B4-BE49-F238E27FC236}">
+                  <a16:creationId xmlns:a16="http://schemas.microsoft.com/office/drawing/2014/main" id="{F975ECB7-7D0A-434C-9C92-C10CA8A71F67}"/>
+                </a:ext>
+              </a:extLst>
+            </p:cNvPr>
+            <p:cNvSpPr/>
+            <p:nvPr/>
+          </p:nvSpPr>
+          <p:spPr>
+            <a:xfrm>
+              <a:off x="3796818" y="1280574"/>
+              <a:ext cx="2508309" cy="99311"/>
+            </a:xfrm>
+            <a:prstGeom prst="rect">
+              <a:avLst/>
+            </a:prstGeom>
+            <a:noFill/>
+            <a:ln>
+              <a:solidFill>
+                <a:schemeClr val="accent6">
+                  <a:lumMod val="75000"/>
+                </a:schemeClr>
+              </a:solidFill>
+            </a:ln>
+          </p:spPr>
+          <p:style>
+            <a:lnRef idx="2">
+              <a:schemeClr val="accent1">
+                <a:shade val="50000"/>
+              </a:schemeClr>
+            </a:lnRef>
+            <a:fillRef idx="1">
+              <a:schemeClr val="accent1"/>
+            </a:fillRef>
+            <a:effectRef idx="0">
+              <a:schemeClr val="accent1"/>
+            </a:effectRef>
+            <a:fontRef idx="minor">
+              <a:schemeClr val="lt1"/>
+            </a:fontRef>
+          </p:style>
+          <p:txBody>
+            <a:bodyPr rtlCol="0" anchor="ctr" anchorCtr="1"/>
+            <a:lstStyle/>
+            <a:p>
+              <a:r>
+                <a:rPr lang="fr-FR" sz="800" u="sng" dirty="0">
+                  <a:solidFill>
+                    <a:schemeClr val="accent6">
+                      <a:lumMod val="50000"/>
+                    </a:schemeClr>
+                  </a:solidFill>
+                </a:rPr>
+                <a:t>F</a:t>
+              </a:r>
+              <a:r>
+                <a:rPr lang="en-CA" sz="800" u="sng" dirty="0" err="1">
+                  <a:solidFill>
+                    <a:schemeClr val="accent6">
+                      <a:lumMod val="50000"/>
+                    </a:schemeClr>
+                  </a:solidFill>
+                </a:rPr>
+                <a:t>ichiers</a:t>
+              </a:r>
+              <a:r>
+                <a:rPr lang="en-CA" sz="800" u="sng" dirty="0">
+                  <a:solidFill>
+                    <a:schemeClr val="accent6">
+                      <a:lumMod val="50000"/>
+                    </a:schemeClr>
+                  </a:solidFill>
+                </a:rPr>
+                <a:t> </a:t>
+              </a:r>
+              <a:r>
+                <a:rPr lang="en-CA" sz="800" u="sng" dirty="0" err="1">
+                  <a:solidFill>
+                    <a:schemeClr val="accent6">
+                      <a:lumMod val="50000"/>
+                    </a:schemeClr>
+                  </a:solidFill>
+                </a:rPr>
+                <a:t>produits</a:t>
+              </a:r>
+              <a:endParaRPr lang="en-CA" sz="800" u="sng" dirty="0">
+                <a:solidFill>
+                  <a:schemeClr val="accent6">
+                    <a:lumMod val="50000"/>
+                  </a:schemeClr>
+                </a:solidFill>
+              </a:endParaRPr>
+            </a:p>
+            <a:p>
+              <a:pPr marL="285750" indent="-285750">
+                <a:buFontTx/>
+                <a:buChar char="-"/>
+              </a:pPr>
+              <a:r>
+                <a:rPr lang="en-CA" sz="800" dirty="0">
+                  <a:solidFill>
+                    <a:schemeClr val="accent6">
+                      <a:lumMod val="50000"/>
+                    </a:schemeClr>
+                  </a:solidFill>
+                </a:rPr>
+                <a:t>maps</a:t>
+              </a:r>
+              <a:endParaRPr lang="fr-FR" sz="800" dirty="0">
+                <a:solidFill>
+                  <a:schemeClr val="accent6">
+                    <a:lumMod val="50000"/>
+                  </a:schemeClr>
+                </a:solidFill>
+              </a:endParaRPr>
+            </a:p>
+          </p:txBody>
+        </p:sp>
+      </p:grpSp>
+      <p:cxnSp>
+        <p:nvCxnSpPr>
+          <p:cNvPr id="56" name="Connecteur droit 55">
+            <a:extLst>
+              <a:ext uri="{FF2B5EF4-FFF2-40B4-BE49-F238E27FC236}">
+                <a16:creationId xmlns:a16="http://schemas.microsoft.com/office/drawing/2014/main" id="{9C61421B-F347-44EE-B91B-CC3E853AB533}"/>
+              </a:ext>
+            </a:extLst>
+          </p:cNvPr>
+          <p:cNvCxnSpPr>
+            <a:cxnSpLocks/>
+            <a:stCxn id="11" idx="3"/>
+            <a:endCxn id="54" idx="1"/>
+          </p:cNvCxnSpPr>
+          <p:nvPr/>
+        </p:nvCxnSpPr>
+        <p:spPr>
+          <a:xfrm>
+            <a:off x="2483142" y="1084962"/>
+            <a:ext cx="867616" cy="4619953"/>
+          </a:xfrm>
+          <a:prstGeom prst="line">
+            <a:avLst/>
+          </a:prstGeom>
+          <a:ln w="19050">
+            <a:solidFill>
+              <a:schemeClr val="accent6">
+                <a:lumMod val="50000"/>
+              </a:schemeClr>
+            </a:solidFill>
+          </a:ln>
+        </p:spPr>
+        <p:style>
+          <a:lnRef idx="1">
+            <a:schemeClr val="accent1"/>
+          </a:lnRef>
+          <a:fillRef idx="0">
+            <a:schemeClr val="accent1"/>
+          </a:fillRef>
+          <a:effectRef idx="0">
+            <a:schemeClr val="accent1"/>
+          </a:effectRef>
+          <a:fontRef idx="minor">
+            <a:schemeClr val="tx1"/>
+          </a:fontRef>
+        </p:style>
+      </p:cxnSp>
     </p:spTree>
     <p:extLst>
       <p:ext uri="{BB962C8B-B14F-4D97-AF65-F5344CB8AC3E}">
